--- a/Presentation1.pptx
+++ b/Presentation1.pptx
@@ -9,6 +9,8 @@
     <p:sldId id="258" r:id="rId3"/>
     <p:sldId id="257" r:id="rId4"/>
     <p:sldId id="259" r:id="rId5"/>
+    <p:sldId id="260" r:id="rId6"/>
+    <p:sldId id="261" r:id="rId7"/>
   </p:sldIdLst>
   <p:sldSz cx="12192000" cy="6858000"/>
   <p:notesSz cx="6858000" cy="9144000"/>
@@ -107,6 +109,11 @@
       </a:defRPr>
     </a:lvl9pPr>
   </p:defaultTextStyle>
+  <p:extLst>
+    <p:ext uri="{EFAFB233-063F-42B5-8137-9DF3F51BA10A}">
+      <p15:sldGuideLst xmlns:p15="http://schemas.microsoft.com/office/powerpoint/2012/main"/>
+    </p:ext>
+  </p:extLst>
 </p:presentation>
 </file>
 
@@ -1244,7 +1251,7 @@
       </dsp:nvSpPr>
       <dsp:spPr>
         <a:xfrm>
-          <a:off x="1487" y="1059181"/>
+          <a:off x="1487" y="284481"/>
           <a:ext cx="1188715" cy="1463036"/>
         </a:xfrm>
         <a:prstGeom prst="roundRect">
@@ -1312,7 +1319,7 @@
         </a:p>
       </dsp:txBody>
       <dsp:txXfrm>
-        <a:off x="36303" y="1093997"/>
+        <a:off x="36303" y="319297"/>
         <a:ext cx="1119083" cy="1393404"/>
       </dsp:txXfrm>
     </dsp:sp>
@@ -1323,7 +1330,7 @@
       </dsp:nvSpPr>
       <dsp:spPr>
         <a:xfrm>
-          <a:off x="1313499" y="1637812"/>
+          <a:off x="1313499" y="863112"/>
           <a:ext cx="261388" cy="305775"/>
         </a:xfrm>
         <a:prstGeom prst="rightArrow">
@@ -1382,7 +1389,7 @@
         </a:p>
       </dsp:txBody>
       <dsp:txXfrm>
-        <a:off x="1313499" y="1698967"/>
+        <a:off x="1313499" y="924267"/>
         <a:ext cx="182972" cy="183465"/>
       </dsp:txXfrm>
     </dsp:sp>
@@ -1393,7 +1400,7 @@
       </dsp:nvSpPr>
       <dsp:spPr>
         <a:xfrm>
-          <a:off x="1683389" y="1059181"/>
+          <a:off x="1683389" y="284481"/>
           <a:ext cx="1188715" cy="1463036"/>
         </a:xfrm>
         <a:prstGeom prst="roundRect">
@@ -1461,7 +1468,7 @@
         </a:p>
       </dsp:txBody>
       <dsp:txXfrm>
-        <a:off x="1718205" y="1093997"/>
+        <a:off x="1718205" y="319297"/>
         <a:ext cx="1119083" cy="1393404"/>
       </dsp:txXfrm>
     </dsp:sp>
@@ -1472,7 +1479,7 @@
       </dsp:nvSpPr>
       <dsp:spPr>
         <a:xfrm>
-          <a:off x="2995401" y="1637812"/>
+          <a:off x="2995401" y="863112"/>
           <a:ext cx="261388" cy="305775"/>
         </a:xfrm>
         <a:prstGeom prst="rightArrow">
@@ -1531,7 +1538,7 @@
         </a:p>
       </dsp:txBody>
       <dsp:txXfrm>
-        <a:off x="2995401" y="1698967"/>
+        <a:off x="2995401" y="924267"/>
         <a:ext cx="182972" cy="183465"/>
       </dsp:txXfrm>
     </dsp:sp>
@@ -1542,7 +1549,7 @@
       </dsp:nvSpPr>
       <dsp:spPr>
         <a:xfrm>
-          <a:off x="3365291" y="1059181"/>
+          <a:off x="3365291" y="284481"/>
           <a:ext cx="1188715" cy="1463036"/>
         </a:xfrm>
         <a:prstGeom prst="roundRect">
@@ -1610,7 +1617,7 @@
         </a:p>
       </dsp:txBody>
       <dsp:txXfrm>
-        <a:off x="3400107" y="1093997"/>
+        <a:off x="3400107" y="319297"/>
         <a:ext cx="1119083" cy="1393404"/>
       </dsp:txXfrm>
     </dsp:sp>
@@ -1621,7 +1628,7 @@
       </dsp:nvSpPr>
       <dsp:spPr>
         <a:xfrm>
-          <a:off x="4677303" y="1637812"/>
+          <a:off x="4677303" y="863112"/>
           <a:ext cx="261388" cy="305775"/>
         </a:xfrm>
         <a:prstGeom prst="rightArrow">
@@ -1680,7 +1687,7 @@
         </a:p>
       </dsp:txBody>
       <dsp:txXfrm>
-        <a:off x="4677303" y="1698967"/>
+        <a:off x="4677303" y="924267"/>
         <a:ext cx="182972" cy="183465"/>
       </dsp:txXfrm>
     </dsp:sp>
@@ -1691,7 +1698,7 @@
       </dsp:nvSpPr>
       <dsp:spPr>
         <a:xfrm>
-          <a:off x="5047193" y="1059181"/>
+          <a:off x="5047193" y="284481"/>
           <a:ext cx="1188715" cy="1463036"/>
         </a:xfrm>
         <a:prstGeom prst="roundRect">
@@ -1759,7 +1766,7 @@
         </a:p>
       </dsp:txBody>
       <dsp:txXfrm>
-        <a:off x="5082009" y="1093997"/>
+        <a:off x="5082009" y="319297"/>
         <a:ext cx="1119083" cy="1393404"/>
       </dsp:txXfrm>
     </dsp:sp>
@@ -1770,7 +1777,7 @@
       </dsp:nvSpPr>
       <dsp:spPr>
         <a:xfrm>
-          <a:off x="6359205" y="1637812"/>
+          <a:off x="6359205" y="863112"/>
           <a:ext cx="261388" cy="305775"/>
         </a:xfrm>
         <a:prstGeom prst="rightArrow">
@@ -1829,7 +1836,7 @@
         </a:p>
       </dsp:txBody>
       <dsp:txXfrm>
-        <a:off x="6359205" y="1698967"/>
+        <a:off x="6359205" y="924267"/>
         <a:ext cx="182972" cy="183465"/>
       </dsp:txXfrm>
     </dsp:sp>
@@ -1840,7 +1847,7 @@
       </dsp:nvSpPr>
       <dsp:spPr>
         <a:xfrm>
-          <a:off x="6729095" y="1059181"/>
+          <a:off x="6729095" y="284481"/>
           <a:ext cx="1188715" cy="1463036"/>
         </a:xfrm>
         <a:prstGeom prst="roundRect">
@@ -1908,7 +1915,7 @@
         </a:p>
       </dsp:txBody>
       <dsp:txXfrm>
-        <a:off x="6763911" y="1093997"/>
+        <a:off x="6763911" y="319297"/>
         <a:ext cx="1119083" cy="1393404"/>
       </dsp:txXfrm>
     </dsp:sp>
@@ -1919,7 +1926,7 @@
       </dsp:nvSpPr>
       <dsp:spPr>
         <a:xfrm>
-          <a:off x="8041107" y="1637812"/>
+          <a:off x="8041107" y="863112"/>
           <a:ext cx="261388" cy="305775"/>
         </a:xfrm>
         <a:prstGeom prst="rightArrow">
@@ -1978,7 +1985,7 @@
         </a:p>
       </dsp:txBody>
       <dsp:txXfrm>
-        <a:off x="8041107" y="1698967"/>
+        <a:off x="8041107" y="924267"/>
         <a:ext cx="182972" cy="183465"/>
       </dsp:txXfrm>
     </dsp:sp>
@@ -1989,7 +1996,7 @@
       </dsp:nvSpPr>
       <dsp:spPr>
         <a:xfrm>
-          <a:off x="8410997" y="1059181"/>
+          <a:off x="8410997" y="284481"/>
           <a:ext cx="1188715" cy="1463036"/>
         </a:xfrm>
         <a:prstGeom prst="roundRect">
@@ -2057,7 +2064,7 @@
         </a:p>
       </dsp:txBody>
       <dsp:txXfrm>
-        <a:off x="8445813" y="1093997"/>
+        <a:off x="8445813" y="319297"/>
         <a:ext cx="1119083" cy="1393404"/>
       </dsp:txXfrm>
     </dsp:sp>
@@ -7475,14 +7482,14 @@
             <p:ph idx="1"/>
             <p:extLst>
               <p:ext uri="{D42A27DB-BD31-4B8C-83A1-F6EECF244321}">
-                <p14:modId xmlns:p14="http://schemas.microsoft.com/office/powerpoint/2010/main" val="3023836053"/>
+                <p14:modId xmlns:p14="http://schemas.microsoft.com/office/powerpoint/2010/main" val="903752606"/>
               </p:ext>
             </p:extLst>
           </p:nvPr>
         </p:nvGraphicFramePr>
         <p:xfrm>
-          <a:off x="1371600" y="2286000"/>
-          <a:ext cx="9601200" cy="3581400"/>
+          <a:off x="1371600" y="1219200"/>
+          <a:ext cx="9601200" cy="2032000"/>
         </p:xfrm>
         <a:graphic>
           <a:graphicData uri="http://schemas.openxmlformats.org/drawingml/2006/diagram">
@@ -7490,10 +7497,425 @@
           </a:graphicData>
         </a:graphic>
       </p:graphicFrame>
+      <p:sp>
+        <p:nvSpPr>
+          <p:cNvPr id="5" name="TextBox 4">
+            <a:extLst>
+              <a:ext uri="{FF2B5EF4-FFF2-40B4-BE49-F238E27FC236}">
+                <a16:creationId xmlns:a16="http://schemas.microsoft.com/office/drawing/2014/main" id="{4DAE5AE9-3D28-374F-8C1D-11F13B714A56}"/>
+              </a:ext>
+            </a:extLst>
+          </p:cNvPr>
+          <p:cNvSpPr txBox="1"/>
+          <p:nvPr/>
+        </p:nvSpPr>
+        <p:spPr>
+          <a:xfrm>
+            <a:off x="1442720" y="3429000"/>
+            <a:ext cx="4114800" cy="769441"/>
+          </a:xfrm>
+          <a:prstGeom prst="rect">
+            <a:avLst/>
+          </a:prstGeom>
+          <a:noFill/>
+        </p:spPr>
+        <p:txBody>
+          <a:bodyPr wrap="square" rtlCol="0">
+            <a:spAutoFit/>
+          </a:bodyPr>
+          <a:lstStyle/>
+          <a:p>
+            <a:r>
+              <a:rPr lang="en-US" sz="4400" dirty="0">
+                <a:solidFill>
+                  <a:schemeClr val="tx2"/>
+                </a:solidFill>
+                <a:latin typeface="+mj-lt"/>
+                <a:ea typeface="+mj-ea"/>
+                <a:cs typeface="+mj-cs"/>
+              </a:rPr>
+              <a:t>RESOURCES</a:t>
+            </a:r>
+          </a:p>
+        </p:txBody>
+      </p:sp>
+      <p:sp>
+        <p:nvSpPr>
+          <p:cNvPr id="7" name="TextBox 6">
+            <a:extLst>
+              <a:ext uri="{FF2B5EF4-FFF2-40B4-BE49-F238E27FC236}">
+                <a16:creationId xmlns:a16="http://schemas.microsoft.com/office/drawing/2014/main" id="{488509A7-2E20-584A-872F-53C8FCE4E4BF}"/>
+              </a:ext>
+            </a:extLst>
+          </p:cNvPr>
+          <p:cNvSpPr txBox="1"/>
+          <p:nvPr/>
+        </p:nvSpPr>
+        <p:spPr>
+          <a:xfrm>
+            <a:off x="1442720" y="4582160"/>
+            <a:ext cx="5364480" cy="1200329"/>
+          </a:xfrm>
+          <a:prstGeom prst="rect">
+            <a:avLst/>
+          </a:prstGeom>
+          <a:noFill/>
+        </p:spPr>
+        <p:txBody>
+          <a:bodyPr wrap="square" rtlCol="0">
+            <a:spAutoFit/>
+          </a:bodyPr>
+          <a:lstStyle/>
+          <a:p>
+            <a:pPr marL="285750" indent="-285750">
+              <a:buFont typeface="Wingdings" pitchFamily="2" charset="2"/>
+              <a:buChar char="§"/>
+            </a:pPr>
+            <a:r>
+              <a:rPr lang="en-US" dirty="0"/>
+              <a:t>Python 3.7.4</a:t>
+            </a:r>
+          </a:p>
+          <a:p>
+            <a:pPr marL="285750" indent="-285750">
+              <a:buFont typeface="Wingdings" pitchFamily="2" charset="2"/>
+              <a:buChar char="§"/>
+            </a:pPr>
+            <a:r>
+              <a:rPr lang="en-US" dirty="0"/>
+              <a:t>Open CV</a:t>
+            </a:r>
+          </a:p>
+          <a:p>
+            <a:pPr marL="285750" indent="-285750">
+              <a:buFont typeface="Wingdings" pitchFamily="2" charset="2"/>
+              <a:buChar char="§"/>
+            </a:pPr>
+            <a:r>
+              <a:rPr lang="en-US" dirty="0" err="1"/>
+              <a:t>Numpy</a:t>
+            </a:r>
+            <a:endParaRPr lang="en-US" dirty="0"/>
+          </a:p>
+          <a:p>
+            <a:endParaRPr lang="en-US" dirty="0"/>
+          </a:p>
+        </p:txBody>
+      </p:sp>
     </p:spTree>
     <p:extLst>
       <p:ext uri="{BB962C8B-B14F-4D97-AF65-F5344CB8AC3E}">
         <p14:creationId xmlns:p14="http://schemas.microsoft.com/office/powerpoint/2010/main" val="3893514272"/>
+      </p:ext>
+    </p:extLst>
+  </p:cSld>
+  <p:clrMapOvr>
+    <a:masterClrMapping/>
+  </p:clrMapOvr>
+</p:sld>
+</file>
+
+<file path=ppt/slides/slide5.xml><?xml version="1.0" encoding="utf-8"?>
+<p:sld xmlns:a="http://schemas.openxmlformats.org/drawingml/2006/main" xmlns:r="http://schemas.openxmlformats.org/officeDocument/2006/relationships" xmlns:p="http://schemas.openxmlformats.org/presentationml/2006/main">
+  <p:cSld>
+    <p:spTree>
+      <p:nvGrpSpPr>
+        <p:cNvPr id="1" name=""/>
+        <p:cNvGrpSpPr/>
+        <p:nvPr/>
+      </p:nvGrpSpPr>
+      <p:grpSpPr>
+        <a:xfrm>
+          <a:off x="0" y="0"/>
+          <a:ext cx="0" cy="0"/>
+          <a:chOff x="0" y="0"/>
+          <a:chExt cx="0" cy="0"/>
+        </a:xfrm>
+      </p:grpSpPr>
+      <p:sp>
+        <p:nvSpPr>
+          <p:cNvPr id="2" name="Title 1">
+            <a:extLst>
+              <a:ext uri="{FF2B5EF4-FFF2-40B4-BE49-F238E27FC236}">
+                <a16:creationId xmlns:a16="http://schemas.microsoft.com/office/drawing/2014/main" id="{9A26F13D-3C4D-4146-ADD2-1997E65330AE}"/>
+              </a:ext>
+            </a:extLst>
+          </p:cNvPr>
+          <p:cNvSpPr>
+            <a:spLocks noGrp="1"/>
+          </p:cNvSpPr>
+          <p:nvPr>
+            <p:ph type="title"/>
+          </p:nvPr>
+        </p:nvSpPr>
+        <p:spPr/>
+        <p:txBody>
+          <a:bodyPr/>
+          <a:lstStyle/>
+          <a:p>
+            <a:r>
+              <a:rPr lang="en-US" dirty="0"/>
+              <a:t>METHODOLOGY</a:t>
+            </a:r>
+          </a:p>
+        </p:txBody>
+      </p:sp>
+      <p:sp>
+        <p:nvSpPr>
+          <p:cNvPr id="3" name="Content Placeholder 2">
+            <a:extLst>
+              <a:ext uri="{FF2B5EF4-FFF2-40B4-BE49-F238E27FC236}">
+                <a16:creationId xmlns:a16="http://schemas.microsoft.com/office/drawing/2014/main" id="{CAA325EF-ADF9-0441-89EF-0BED4B98C748}"/>
+              </a:ext>
+            </a:extLst>
+          </p:cNvPr>
+          <p:cNvSpPr>
+            <a:spLocks noGrp="1"/>
+          </p:cNvSpPr>
+          <p:nvPr>
+            <p:ph idx="1"/>
+          </p:nvPr>
+        </p:nvSpPr>
+        <p:spPr>
+          <a:xfrm>
+            <a:off x="1371600" y="1615440"/>
+            <a:ext cx="9601200" cy="4251960"/>
+          </a:xfrm>
+        </p:spPr>
+        <p:txBody>
+          <a:bodyPr/>
+          <a:lstStyle/>
+          <a:p>
+            <a:r>
+              <a:rPr lang="en-US" dirty="0"/>
+              <a:t>To detect smear for a given camera, we performed the following steps</a:t>
+            </a:r>
+          </a:p>
+          <a:p>
+            <a:endParaRPr lang="en-US" dirty="0"/>
+          </a:p>
+          <a:p>
+            <a:pPr lvl="1"/>
+            <a:r>
+              <a:rPr lang="en-US" dirty="0"/>
+              <a:t>We loop through the images from each camera and parse the images.</a:t>
+            </a:r>
+          </a:p>
+          <a:p>
+            <a:pPr lvl="1"/>
+            <a:endParaRPr lang="en-IN" altLang="zh-CN" dirty="0"/>
+          </a:p>
+          <a:p>
+            <a:pPr lvl="1"/>
+            <a:r>
+              <a:rPr lang="en-IN" dirty="0"/>
+              <a:t>To c</a:t>
+            </a:r>
+            <a:r>
+              <a:rPr lang="en-IN" sz="2000" i="1" dirty="0"/>
+              <a:t>reate an average image, </a:t>
+            </a:r>
+            <a:r>
+              <a:rPr lang="en-IN" sz="2000" dirty="0"/>
+              <a:t>t</a:t>
+            </a:r>
+            <a:r>
+              <a:rPr lang="en-IN" i="1" dirty="0"/>
+              <a:t>he image directories are accessed to get the required list of images</a:t>
+            </a:r>
+          </a:p>
+          <a:p>
+            <a:pPr lvl="2"/>
+            <a:endParaRPr lang="en-IN" dirty="0"/>
+          </a:p>
+          <a:p>
+            <a:pPr lvl="1"/>
+            <a:r>
+              <a:rPr lang="en-US" dirty="0"/>
+              <a:t>We pre-process the images by perforating below step:</a:t>
+            </a:r>
+          </a:p>
+          <a:p>
+            <a:pPr lvl="2"/>
+            <a:r>
+              <a:rPr lang="en-US" dirty="0"/>
+              <a:t>Convert to gray scale </a:t>
+            </a:r>
+          </a:p>
+          <a:p>
+            <a:pPr lvl="2"/>
+            <a:r>
+              <a:rPr lang="en-US" dirty="0"/>
+              <a:t>Apply </a:t>
+            </a:r>
+            <a:r>
+              <a:rPr lang="en-IN" altLang="zh-CN" dirty="0"/>
+              <a:t>Gaussian filter to remove noise </a:t>
+            </a:r>
+          </a:p>
+          <a:p>
+            <a:pPr lvl="2"/>
+            <a:r>
+              <a:rPr lang="en-IN" altLang="zh-CN" dirty="0"/>
+              <a:t>Calculate mean image</a:t>
+            </a:r>
+          </a:p>
+          <a:p>
+            <a:pPr lvl="2"/>
+            <a:endParaRPr lang="en-IN" dirty="0"/>
+          </a:p>
+          <a:p>
+            <a:pPr lvl="1"/>
+            <a:endParaRPr lang="en-IN" sz="2000" i="1" dirty="0"/>
+          </a:p>
+          <a:p>
+            <a:pPr lvl="1"/>
+            <a:endParaRPr lang="en-IN" sz="2000" i="1" dirty="0"/>
+          </a:p>
+          <a:p>
+            <a:pPr marL="987552" lvl="2" indent="0">
+              <a:buNone/>
+            </a:pPr>
+            <a:endParaRPr lang="en-US" dirty="0"/>
+          </a:p>
+          <a:p>
+            <a:endParaRPr lang="en-US" dirty="0"/>
+          </a:p>
+        </p:txBody>
+      </p:sp>
+    </p:spTree>
+    <p:extLst>
+      <p:ext uri="{BB962C8B-B14F-4D97-AF65-F5344CB8AC3E}">
+        <p14:creationId xmlns:p14="http://schemas.microsoft.com/office/powerpoint/2010/main" val="1650180458"/>
+      </p:ext>
+    </p:extLst>
+  </p:cSld>
+  <p:clrMapOvr>
+    <a:masterClrMapping/>
+  </p:clrMapOvr>
+</p:sld>
+</file>
+
+<file path=ppt/slides/slide6.xml><?xml version="1.0" encoding="utf-8"?>
+<p:sld xmlns:a="http://schemas.openxmlformats.org/drawingml/2006/main" xmlns:r="http://schemas.openxmlformats.org/officeDocument/2006/relationships" xmlns:p="http://schemas.openxmlformats.org/presentationml/2006/main">
+  <p:cSld>
+    <p:spTree>
+      <p:nvGrpSpPr>
+        <p:cNvPr id="1" name=""/>
+        <p:cNvGrpSpPr/>
+        <p:nvPr/>
+      </p:nvGrpSpPr>
+      <p:grpSpPr>
+        <a:xfrm>
+          <a:off x="0" y="0"/>
+          <a:ext cx="0" cy="0"/>
+          <a:chOff x="0" y="0"/>
+          <a:chExt cx="0" cy="0"/>
+        </a:xfrm>
+      </p:grpSpPr>
+      <p:sp>
+        <p:nvSpPr>
+          <p:cNvPr id="2" name="Title 1">
+            <a:extLst>
+              <a:ext uri="{FF2B5EF4-FFF2-40B4-BE49-F238E27FC236}">
+                <a16:creationId xmlns:a16="http://schemas.microsoft.com/office/drawing/2014/main" id="{8D8F41E3-4749-DD4D-8B84-39ED474F6108}"/>
+              </a:ext>
+            </a:extLst>
+          </p:cNvPr>
+          <p:cNvSpPr>
+            <a:spLocks noGrp="1"/>
+          </p:cNvSpPr>
+          <p:nvPr>
+            <p:ph type="title"/>
+          </p:nvPr>
+        </p:nvSpPr>
+        <p:spPr/>
+        <p:txBody>
+          <a:bodyPr/>
+          <a:lstStyle/>
+          <a:p>
+            <a:r>
+              <a:rPr lang="en-US" dirty="0"/>
+              <a:t>METHODOLOGY</a:t>
+            </a:r>
+          </a:p>
+        </p:txBody>
+      </p:sp>
+      <p:sp>
+        <p:nvSpPr>
+          <p:cNvPr id="3" name="Content Placeholder 2">
+            <a:extLst>
+              <a:ext uri="{FF2B5EF4-FFF2-40B4-BE49-F238E27FC236}">
+                <a16:creationId xmlns:a16="http://schemas.microsoft.com/office/drawing/2014/main" id="{9B4C2873-A48D-C940-8330-9B98DA23C84F}"/>
+              </a:ext>
+            </a:extLst>
+          </p:cNvPr>
+          <p:cNvSpPr>
+            <a:spLocks noGrp="1"/>
+          </p:cNvSpPr>
+          <p:nvPr>
+            <p:ph idx="1"/>
+          </p:nvPr>
+        </p:nvSpPr>
+        <p:spPr>
+          <a:xfrm>
+            <a:off x="1371600" y="1452880"/>
+            <a:ext cx="9601200" cy="4414520"/>
+          </a:xfrm>
+        </p:spPr>
+        <p:txBody>
+          <a:bodyPr>
+            <a:normAutofit/>
+          </a:bodyPr>
+          <a:lstStyle/>
+          <a:p>
+            <a:r>
+              <a:rPr lang="en-US" altLang="zh-CN" sz="2200" dirty="0"/>
+              <a:t>THRESHOLDING:</a:t>
+            </a:r>
+          </a:p>
+          <a:p>
+            <a:pPr lvl="1" algn="just"/>
+            <a:r>
+              <a:rPr lang="en-IN" altLang="zh-CN" i="1" dirty="0"/>
+              <a:t>First step for threshold is that the image should be grayscale. Therefore we use the image obtained in above step. If pixel value is less than the threshold value which is 100, it is assigned a value of(white), else it is assigned different value (black).</a:t>
+            </a:r>
+          </a:p>
+          <a:p>
+            <a:pPr lvl="1" algn="just"/>
+            <a:r>
+              <a:rPr lang="en-IN" altLang="zh-CN" i="1" dirty="0"/>
+              <a:t>Since input image has different lightening conditions in different areas, we will calculate adaptive threshold. This helps in calculating threshold for small regions of the image. </a:t>
+            </a:r>
+            <a:r>
+              <a:rPr lang="en-IN" altLang="zh-CN" i="1" dirty="0" err="1"/>
+              <a:t>Therf.eore</a:t>
+            </a:r>
+            <a:r>
+              <a:rPr lang="en-IN" altLang="zh-CN" i="1" dirty="0"/>
+              <a:t>, we can get different thresholds for different regions of the same image. This gives us better result for images with varying illumination just like the input image.</a:t>
+            </a:r>
+          </a:p>
+          <a:p>
+            <a:r>
+              <a:rPr lang="en-IN" altLang="zh-CN" sz="2200" dirty="0"/>
+              <a:t>CREATE MASK:</a:t>
+            </a:r>
+          </a:p>
+          <a:p>
+            <a:pPr lvl="1" algn="just"/>
+            <a:r>
+              <a:rPr lang="en-US" altLang="zh-CN" i="1" dirty="0"/>
+              <a:t>Apply Threshold method to create mask, with smear show as black.</a:t>
+            </a:r>
+            <a:endParaRPr lang="en-US" i="1" dirty="0"/>
+          </a:p>
+        </p:txBody>
+      </p:sp>
+    </p:spTree>
+    <p:extLst>
+      <p:ext uri="{BB962C8B-B14F-4D97-AF65-F5344CB8AC3E}">
+        <p14:creationId xmlns:p14="http://schemas.microsoft.com/office/powerpoint/2010/main" val="937590477"/>
       </p:ext>
     </p:extLst>
   </p:cSld>

--- a/Presentation1.pptx
+++ b/Presentation1.pptx
@@ -7888,8 +7888,8 @@
               <a:t>Since input image has different lightening conditions in different areas, we will calculate adaptive threshold. This helps in calculating threshold for small regions of the image. </a:t>
             </a:r>
             <a:r>
-              <a:rPr lang="en-IN" altLang="zh-CN" i="1" dirty="0" err="1"/>
-              <a:t>Therf.eore</a:t>
+              <a:rPr lang="en-IN" altLang="zh-CN" i="1"/>
+              <a:t>Therfeore</a:t>
             </a:r>
             <a:r>
               <a:rPr lang="en-IN" altLang="zh-CN" i="1" dirty="0"/>

--- a/Presentation1.pptx
+++ b/Presentation1.pptx
@@ -11,6 +11,7 @@
     <p:sldId id="259" r:id="rId5"/>
     <p:sldId id="260" r:id="rId6"/>
     <p:sldId id="261" r:id="rId7"/>
+    <p:sldId id="262" r:id="rId8"/>
   </p:sldIdLst>
   <p:sldSz cx="12192000" cy="6858000"/>
   <p:notesSz cx="6858000" cy="9144000"/>
@@ -7878,23 +7879,40 @@
             <a:pPr lvl="1" algn="just"/>
             <a:r>
               <a:rPr lang="en-IN" altLang="zh-CN" i="1" dirty="0"/>
-              <a:t>First step for threshold is that the image should be grayscale. Therefore we use the image obtained in above step. If pixel value is less than the threshold value which is 100, it is assigned a value of(white), else it is assigned different value (black).</a:t>
+              <a:t>First step for threshold is that the image should be grayscale. Therefore we use the image obtained in above step. If pixel value is less than the threshold value which is 100, it is assigned a value of one (white), else it is assigned different value (black).</a:t>
             </a:r>
           </a:p>
           <a:p>
             <a:pPr lvl="1" algn="just"/>
             <a:r>
               <a:rPr lang="en-IN" altLang="zh-CN" i="1" dirty="0"/>
-              <a:t>Since input image has different lightening conditions in different areas, we will calculate adaptive threshold. This helps in calculating threshold for small regions of the image. </a:t>
-            </a:r>
-            <a:r>
-              <a:rPr lang="en-IN" altLang="zh-CN" i="1"/>
-              <a:t>Therfeore</a:t>
+              <a:t>On the mean image we perform </a:t>
+            </a:r>
+            <a:r>
+              <a:rPr lang="en-US" b="1" i="0" dirty="0"/>
+              <a:t>Morphological operations (Erosion and Dilation)</a:t>
             </a:r>
             <a:r>
               <a:rPr lang="en-IN" altLang="zh-CN" i="1" dirty="0"/>
-              <a:t>, we can get different thresholds for different regions of the same image. This gives us better result for images with varying illumination just like the input image.</a:t>
-            </a:r>
+              <a:t>. Dilation is </a:t>
+            </a:r>
+            <a:r>
+              <a:rPr lang="en-IN" altLang="zh-CN" sz="2100" dirty="0"/>
+              <a:t>used to </a:t>
+            </a:r>
+            <a:r>
+              <a:rPr lang="en-US" sz="2100" dirty="0"/>
+              <a:t>Increases the object area. </a:t>
+            </a:r>
+            <a:r>
+              <a:rPr lang="en-IN" altLang="zh-CN" i="1" dirty="0"/>
+              <a:t>We erode our image using a 10X10 kernel to remove the noise due to changing road patterns and panoramic camera effect. We have performed 4 series of iteration fo</a:t>
+            </a:r>
+            <a:r>
+              <a:rPr lang="en-IN" altLang="zh-CN" dirty="0"/>
+              <a:t>r erosion and dilation.</a:t>
+            </a:r>
+            <a:endParaRPr lang="en-IN" altLang="zh-CN" i="1" dirty="0"/>
           </a:p>
           <a:p>
             <a:r>
@@ -7906,7 +7924,7 @@
             <a:pPr lvl="1" algn="just"/>
             <a:r>
               <a:rPr lang="en-US" altLang="zh-CN" i="1" dirty="0"/>
-              <a:t>Apply Threshold method to create mask, with smear show as black.</a:t>
+              <a:t>Apply Threshold method to create mask, with smear shown as black.</a:t>
             </a:r>
             <a:endParaRPr lang="en-US" i="1" dirty="0"/>
           </a:p>
@@ -7916,6 +7934,355 @@
     <p:extLst>
       <p:ext uri="{BB962C8B-B14F-4D97-AF65-F5344CB8AC3E}">
         <p14:creationId xmlns:p14="http://schemas.microsoft.com/office/powerpoint/2010/main" val="937590477"/>
+      </p:ext>
+    </p:extLst>
+  </p:cSld>
+  <p:clrMapOvr>
+    <a:masterClrMapping/>
+  </p:clrMapOvr>
+</p:sld>
+</file>
+
+<file path=ppt/slides/slide7.xml><?xml version="1.0" encoding="utf-8"?>
+<p:sld xmlns:a="http://schemas.openxmlformats.org/drawingml/2006/main" xmlns:r="http://schemas.openxmlformats.org/officeDocument/2006/relationships" xmlns:p="http://schemas.openxmlformats.org/presentationml/2006/main">
+  <p:cSld>
+    <p:spTree>
+      <p:nvGrpSpPr>
+        <p:cNvPr id="1" name=""/>
+        <p:cNvGrpSpPr/>
+        <p:nvPr/>
+      </p:nvGrpSpPr>
+      <p:grpSpPr>
+        <a:xfrm>
+          <a:off x="0" y="0"/>
+          <a:ext cx="0" cy="0"/>
+          <a:chOff x="0" y="0"/>
+          <a:chExt cx="0" cy="0"/>
+        </a:xfrm>
+      </p:grpSpPr>
+      <p:sp>
+        <p:nvSpPr>
+          <p:cNvPr id="2" name="Title 1">
+            <a:extLst>
+              <a:ext uri="{FF2B5EF4-FFF2-40B4-BE49-F238E27FC236}">
+                <a16:creationId xmlns:a16="http://schemas.microsoft.com/office/drawing/2014/main" id="{E6327D8B-4545-8646-A738-EDF04BD1FEAA}"/>
+              </a:ext>
+            </a:extLst>
+          </p:cNvPr>
+          <p:cNvSpPr>
+            <a:spLocks noGrp="1"/>
+          </p:cNvSpPr>
+          <p:nvPr>
+            <p:ph type="title"/>
+          </p:nvPr>
+        </p:nvSpPr>
+        <p:spPr>
+          <a:xfrm>
+            <a:off x="1371600" y="116840"/>
+            <a:ext cx="9601200" cy="914400"/>
+          </a:xfrm>
+        </p:spPr>
+        <p:txBody>
+          <a:bodyPr/>
+          <a:lstStyle/>
+          <a:p>
+            <a:r>
+              <a:rPr lang="en-US" dirty="0"/>
+              <a:t>RESULTS</a:t>
+            </a:r>
+          </a:p>
+        </p:txBody>
+      </p:sp>
+      <p:sp>
+        <p:nvSpPr>
+          <p:cNvPr id="3" name="Content Placeholder 2">
+            <a:extLst>
+              <a:ext uri="{FF2B5EF4-FFF2-40B4-BE49-F238E27FC236}">
+                <a16:creationId xmlns:a16="http://schemas.microsoft.com/office/drawing/2014/main" id="{0BDA65C8-24B7-F743-8B97-106A0B47D700}"/>
+              </a:ext>
+            </a:extLst>
+          </p:cNvPr>
+          <p:cNvSpPr>
+            <a:spLocks noGrp="1"/>
+          </p:cNvSpPr>
+          <p:nvPr>
+            <p:ph idx="1"/>
+          </p:nvPr>
+        </p:nvSpPr>
+        <p:spPr>
+          <a:xfrm>
+            <a:off x="1371600" y="721360"/>
+            <a:ext cx="9601200" cy="5943600"/>
+          </a:xfrm>
+        </p:spPr>
+        <p:txBody>
+          <a:bodyPr/>
+          <a:lstStyle/>
+          <a:p>
+            <a:r>
+              <a:rPr lang="en-US" altLang="zh-CN" sz="1400" dirty="0"/>
+              <a:t>Average </a:t>
+            </a:r>
+            <a:r>
+              <a:rPr lang="en-IN" altLang="zh-CN" sz="1400" dirty="0">
+                <a:sym typeface="Wingdings" panose="05000000000000000000" pitchFamily="2" charset="2"/>
+              </a:rPr>
+              <a:t>grayscale image of 400 samples</a:t>
+            </a:r>
+            <a:r>
+              <a:rPr lang="en-US" altLang="zh-CN" sz="1400" dirty="0"/>
+              <a:t>:</a:t>
+            </a:r>
+          </a:p>
+          <a:p>
+            <a:pPr marL="0" indent="0">
+              <a:buNone/>
+            </a:pPr>
+            <a:r>
+              <a:rPr lang="en-US" altLang="zh-CN" sz="1600" dirty="0"/>
+              <a:t>     cam_0				cam_1			       cam_2	           </a:t>
+            </a:r>
+          </a:p>
+          <a:p>
+            <a:pPr marL="0" indent="0">
+              <a:buNone/>
+            </a:pPr>
+            <a:endParaRPr lang="en-US" altLang="zh-CN" sz="1600" dirty="0"/>
+          </a:p>
+          <a:p>
+            <a:pPr marL="0" indent="0">
+              <a:buNone/>
+            </a:pPr>
+            <a:endParaRPr lang="en-US" altLang="zh-CN" sz="1600" dirty="0"/>
+          </a:p>
+          <a:p>
+            <a:pPr marL="0" indent="0">
+              <a:buNone/>
+            </a:pPr>
+            <a:endParaRPr lang="en-US" altLang="zh-CN" sz="1600" dirty="0"/>
+          </a:p>
+          <a:p>
+            <a:pPr marL="0" indent="0">
+              <a:buNone/>
+            </a:pPr>
+            <a:endParaRPr lang="en-US" altLang="zh-CN" sz="1600" dirty="0"/>
+          </a:p>
+          <a:p>
+            <a:pPr marL="0" indent="0">
+              <a:buNone/>
+            </a:pPr>
+            <a:endParaRPr lang="en-US" altLang="zh-CN" sz="1600" dirty="0"/>
+          </a:p>
+          <a:p>
+            <a:pPr marL="0" indent="0">
+              <a:buNone/>
+            </a:pPr>
+            <a:endParaRPr lang="en-US" altLang="zh-CN" sz="1600" dirty="0"/>
+          </a:p>
+          <a:p>
+            <a:pPr marL="0" indent="0">
+              <a:buNone/>
+            </a:pPr>
+            <a:endParaRPr lang="en-US" altLang="zh-CN" sz="1600" dirty="0"/>
+          </a:p>
+          <a:p>
+            <a:pPr marL="0" indent="0">
+              <a:buNone/>
+            </a:pPr>
+            <a:r>
+              <a:rPr lang="en-US" altLang="zh-CN" sz="1600" dirty="0"/>
+              <a:t>     </a:t>
+            </a:r>
+          </a:p>
+          <a:p>
+            <a:pPr marL="0" indent="0">
+              <a:buNone/>
+            </a:pPr>
+            <a:r>
+              <a:rPr lang="en-US" altLang="zh-CN" sz="1600" dirty="0"/>
+              <a:t>          cam_3				cam_5</a:t>
+            </a:r>
+          </a:p>
+          <a:p>
+            <a:endParaRPr lang="en-US" dirty="0"/>
+          </a:p>
+          <a:p>
+            <a:endParaRPr lang="en-US" dirty="0"/>
+          </a:p>
+          <a:p>
+            <a:pPr marL="0" indent="0">
+              <a:buNone/>
+            </a:pPr>
+            <a:endParaRPr lang="en-US" dirty="0"/>
+          </a:p>
+          <a:p>
+            <a:endParaRPr lang="en-US" dirty="0"/>
+          </a:p>
+          <a:p>
+            <a:endParaRPr lang="en-US" dirty="0"/>
+          </a:p>
+          <a:p>
+            <a:endParaRPr lang="en-US" dirty="0"/>
+          </a:p>
+          <a:p>
+            <a:endParaRPr lang="en-US" dirty="0"/>
+          </a:p>
+        </p:txBody>
+      </p:sp>
+      <p:pic>
+        <p:nvPicPr>
+          <p:cNvPr id="5" name="Picture 4" descr="A picture containing dark, sitting, standing, lit&#10;&#10;Description automatically generated">
+            <a:extLst>
+              <a:ext uri="{FF2B5EF4-FFF2-40B4-BE49-F238E27FC236}">
+                <a16:creationId xmlns:a16="http://schemas.microsoft.com/office/drawing/2014/main" id="{5A466438-6CE4-144E-BA1B-C9CF5B0C2145}"/>
+              </a:ext>
+            </a:extLst>
+          </p:cNvPr>
+          <p:cNvPicPr>
+            <a:picLocks noChangeAspect="1"/>
+          </p:cNvPicPr>
+          <p:nvPr/>
+        </p:nvPicPr>
+        <p:blipFill>
+          <a:blip r:embed="rId2"/>
+          <a:stretch>
+            <a:fillRect/>
+          </a:stretch>
+        </p:blipFill>
+        <p:spPr>
+          <a:xfrm>
+            <a:off x="1371600" y="1419710"/>
+            <a:ext cx="2792506" cy="2654449"/>
+          </a:xfrm>
+          <a:prstGeom prst="rect">
+            <a:avLst/>
+          </a:prstGeom>
+        </p:spPr>
+      </p:pic>
+      <p:pic>
+        <p:nvPicPr>
+          <p:cNvPr id="7" name="Picture 6" descr="A person in a dark room&#10;&#10;Description automatically generated">
+            <a:extLst>
+              <a:ext uri="{FF2B5EF4-FFF2-40B4-BE49-F238E27FC236}">
+                <a16:creationId xmlns:a16="http://schemas.microsoft.com/office/drawing/2014/main" id="{DC307322-82FB-6D40-A214-EF4DF3C83AD2}"/>
+              </a:ext>
+            </a:extLst>
+          </p:cNvPr>
+          <p:cNvPicPr>
+            <a:picLocks noChangeAspect="1"/>
+          </p:cNvPicPr>
+          <p:nvPr/>
+        </p:nvPicPr>
+        <p:blipFill>
+          <a:blip r:embed="rId3"/>
+          <a:stretch>
+            <a:fillRect/>
+          </a:stretch>
+        </p:blipFill>
+        <p:spPr>
+          <a:xfrm>
+            <a:off x="4699747" y="1419710"/>
+            <a:ext cx="2792506" cy="2654449"/>
+          </a:xfrm>
+          <a:prstGeom prst="rect">
+            <a:avLst/>
+          </a:prstGeom>
+        </p:spPr>
+      </p:pic>
+      <p:pic>
+        <p:nvPicPr>
+          <p:cNvPr id="9" name="Picture 8" descr="A picture containing light, sitting, dark, small&#10;&#10;Description automatically generated">
+            <a:extLst>
+              <a:ext uri="{FF2B5EF4-FFF2-40B4-BE49-F238E27FC236}">
+                <a16:creationId xmlns:a16="http://schemas.microsoft.com/office/drawing/2014/main" id="{39B1DCC2-5586-B945-8CC4-83609B611B6F}"/>
+              </a:ext>
+            </a:extLst>
+          </p:cNvPr>
+          <p:cNvPicPr>
+            <a:picLocks noChangeAspect="1"/>
+          </p:cNvPicPr>
+          <p:nvPr/>
+        </p:nvPicPr>
+        <p:blipFill>
+          <a:blip r:embed="rId4"/>
+          <a:stretch>
+            <a:fillRect/>
+          </a:stretch>
+        </p:blipFill>
+        <p:spPr>
+          <a:xfrm>
+            <a:off x="8276742" y="1413884"/>
+            <a:ext cx="2792507" cy="2638163"/>
+          </a:xfrm>
+          <a:prstGeom prst="rect">
+            <a:avLst/>
+          </a:prstGeom>
+        </p:spPr>
+      </p:pic>
+      <p:pic>
+        <p:nvPicPr>
+          <p:cNvPr id="11" name="Picture 10" descr="A blurry photo of a lamp&#10;&#10;Description automatically generated">
+            <a:extLst>
+              <a:ext uri="{FF2B5EF4-FFF2-40B4-BE49-F238E27FC236}">
+                <a16:creationId xmlns:a16="http://schemas.microsoft.com/office/drawing/2014/main" id="{CF40F49A-F919-DB4A-984C-063C122BB6B1}"/>
+              </a:ext>
+            </a:extLst>
+          </p:cNvPr>
+          <p:cNvPicPr>
+            <a:picLocks noChangeAspect="1"/>
+          </p:cNvPicPr>
+          <p:nvPr/>
+        </p:nvPicPr>
+        <p:blipFill>
+          <a:blip r:embed="rId5"/>
+          <a:stretch>
+            <a:fillRect/>
+          </a:stretch>
+        </p:blipFill>
+        <p:spPr>
+          <a:xfrm>
+            <a:off x="2968214" y="4187265"/>
+            <a:ext cx="2792506" cy="2670735"/>
+          </a:xfrm>
+          <a:prstGeom prst="rect">
+            <a:avLst/>
+          </a:prstGeom>
+        </p:spPr>
+      </p:pic>
+      <p:pic>
+        <p:nvPicPr>
+          <p:cNvPr id="15" name="Picture 14" descr="A picture containing sitting, dark, looking, cat&#10;&#10;Description automatically generated">
+            <a:extLst>
+              <a:ext uri="{FF2B5EF4-FFF2-40B4-BE49-F238E27FC236}">
+                <a16:creationId xmlns:a16="http://schemas.microsoft.com/office/drawing/2014/main" id="{47ED87FE-3046-DD4C-93CB-08E470575CF2}"/>
+              </a:ext>
+            </a:extLst>
+          </p:cNvPr>
+          <p:cNvPicPr>
+            <a:picLocks noChangeAspect="1"/>
+          </p:cNvPicPr>
+          <p:nvPr/>
+        </p:nvPicPr>
+        <p:blipFill>
+          <a:blip r:embed="rId6"/>
+          <a:stretch>
+            <a:fillRect/>
+          </a:stretch>
+        </p:blipFill>
+        <p:spPr>
+          <a:xfrm>
+            <a:off x="6797039" y="4187264"/>
+            <a:ext cx="2718173" cy="2670735"/>
+          </a:xfrm>
+          <a:prstGeom prst="rect">
+            <a:avLst/>
+          </a:prstGeom>
+        </p:spPr>
+      </p:pic>
+    </p:spTree>
+    <p:extLst>
+      <p:ext uri="{BB962C8B-B14F-4D97-AF65-F5344CB8AC3E}">
+        <p14:creationId xmlns:p14="http://schemas.microsoft.com/office/powerpoint/2010/main" val="3561673197"/>
       </p:ext>
     </p:extLst>
   </p:cSld>

--- a/Presentation1.pptx
+++ b/Presentation1.pptx
@@ -8,7 +8,7 @@
     <p:sldId id="256" r:id="rId2"/>
     <p:sldId id="258" r:id="rId3"/>
     <p:sldId id="257" r:id="rId4"/>
-    <p:sldId id="259" r:id="rId5"/>
+    <p:sldId id="263" r:id="rId5"/>
     <p:sldId id="260" r:id="rId6"/>
     <p:sldId id="261" r:id="rId7"/>
     <p:sldId id="262" r:id="rId8"/>
@@ -871,6 +871,13 @@
     <dgm:pt modelId="{4173C58C-C81B-804C-822C-DE5C954F9D1C}" type="doc">
       <dgm:prSet loTypeId="urn:microsoft.com/office/officeart/2005/8/layout/process1" loCatId="" qsTypeId="urn:microsoft.com/office/officeart/2005/8/quickstyle/simple1" qsCatId="simple" csTypeId="urn:microsoft.com/office/officeart/2005/8/colors/accent1_2" csCatId="accent1" phldr="1"/>
       <dgm:spPr/>
+      <dgm:t>
+        <a:bodyPr/>
+        <a:lstStyle/>
+        <a:p>
+          <a:endParaRPr lang="en-US"/>
+        </a:p>
+      </dgm:t>
     </dgm:pt>
     <dgm:pt modelId="{7FAFFCA0-5E54-C040-886B-9AC2D7352B31}">
       <dgm:prSet phldrT="[Text]"/>
@@ -917,7 +924,7 @@
         <a:p>
           <a:r>
             <a:rPr lang="en-US" dirty="0"/>
-            <a:t>Generate the average image</a:t>
+            <a:t>Convert to gray scale</a:t>
           </a:r>
         </a:p>
       </dgm:t>
@@ -953,7 +960,13 @@
         <a:p>
           <a:r>
             <a:rPr lang="en-US" dirty="0"/>
-            <a:t>Convert to greyscale</a:t>
+            <a:t>Gaussian</a:t>
+          </a:r>
+        </a:p>
+        <a:p>
+          <a:r>
+            <a:rPr lang="en-US" dirty="0"/>
+            <a:t>Blur</a:t>
           </a:r>
         </a:p>
       </dgm:t>
@@ -989,7 +1002,7 @@
         <a:p>
           <a:r>
             <a:rPr lang="en-US" dirty="0"/>
-            <a:t>Calculate threshold</a:t>
+            <a:t>Sobel</a:t>
           </a:r>
         </a:p>
       </dgm:t>
@@ -1025,7 +1038,7 @@
         <a:p>
           <a:r>
             <a:rPr lang="en-US" dirty="0"/>
-            <a:t>Pixel convert</a:t>
+            <a:t>Generate mean image</a:t>
           </a:r>
         </a:p>
       </dgm:t>
@@ -1061,7 +1074,7 @@
         <a:p>
           <a:r>
             <a:rPr lang="en-US" dirty="0"/>
-            <a:t>Create Mask Image</a:t>
+            <a:t>Threshold</a:t>
           </a:r>
         </a:p>
       </dgm:t>
@@ -1088,6 +1101,42 @@
         </a:p>
       </dgm:t>
     </dgm:pt>
+    <dgm:pt modelId="{C36BB3B5-B375-404A-A017-F17DFB428495}">
+      <dgm:prSet phldrT="[Text]"/>
+      <dgm:spPr/>
+      <dgm:t>
+        <a:bodyPr/>
+        <a:lstStyle/>
+        <a:p>
+          <a:r>
+            <a:rPr lang="en-US" dirty="0"/>
+            <a:t>Mask Image</a:t>
+          </a:r>
+        </a:p>
+      </dgm:t>
+    </dgm:pt>
+    <dgm:pt modelId="{A1855BCC-CBCD-414C-8E03-6BD1EF96F3EE}" type="parTrans" cxnId="{EE742896-09CA-0442-BA19-7607189E4DD8}">
+      <dgm:prSet/>
+      <dgm:spPr/>
+      <dgm:t>
+        <a:bodyPr/>
+        <a:lstStyle/>
+        <a:p>
+          <a:endParaRPr lang="en-US"/>
+        </a:p>
+      </dgm:t>
+    </dgm:pt>
+    <dgm:pt modelId="{88094F2F-9DE4-E84B-9A37-9E9AAE6BFBA8}" type="sibTrans" cxnId="{EE742896-09CA-0442-BA19-7607189E4DD8}">
+      <dgm:prSet/>
+      <dgm:spPr/>
+      <dgm:t>
+        <a:bodyPr/>
+        <a:lstStyle/>
+        <a:p>
+          <a:endParaRPr lang="en-US"/>
+        </a:p>
+      </dgm:t>
+    </dgm:pt>
     <dgm:pt modelId="{5551050A-11C5-B74D-9C41-D2B30C95B2F1}" type="pres">
       <dgm:prSet presAssocID="{4173C58C-C81B-804C-822C-DE5C954F9D1C}" presName="Name0" presStyleCnt="0">
         <dgm:presLayoutVars>
@@ -1098,7 +1147,7 @@
       <dgm:spPr/>
     </dgm:pt>
     <dgm:pt modelId="{92B078C7-9F87-AD4C-82F1-2B8C0052133B}" type="pres">
-      <dgm:prSet presAssocID="{7FAFFCA0-5E54-C040-886B-9AC2D7352B31}" presName="node" presStyleLbl="node1" presStyleIdx="0" presStyleCnt="6" custScaleX="96411" custScaleY="127527">
+      <dgm:prSet presAssocID="{7FAFFCA0-5E54-C040-886B-9AC2D7352B31}" presName="node" presStyleLbl="node1" presStyleIdx="0" presStyleCnt="7" custScaleX="96411" custScaleY="127527">
         <dgm:presLayoutVars>
           <dgm:bulletEnabled val="1"/>
         </dgm:presLayoutVars>
@@ -1106,15 +1155,15 @@
       <dgm:spPr/>
     </dgm:pt>
     <dgm:pt modelId="{025CC4B5-EFD7-384E-BEEF-AAA526D0D813}" type="pres">
-      <dgm:prSet presAssocID="{4D9B30BB-67D7-B241-B6AC-9AC554573BB9}" presName="sibTrans" presStyleLbl="sibTrans2D1" presStyleIdx="0" presStyleCnt="5"/>
+      <dgm:prSet presAssocID="{4D9B30BB-67D7-B241-B6AC-9AC554573BB9}" presName="sibTrans" presStyleLbl="sibTrans2D1" presStyleIdx="0" presStyleCnt="6"/>
       <dgm:spPr/>
     </dgm:pt>
     <dgm:pt modelId="{B979FBCE-DCDC-6243-A695-A1F64D9B5FA7}" type="pres">
-      <dgm:prSet presAssocID="{4D9B30BB-67D7-B241-B6AC-9AC554573BB9}" presName="connectorText" presStyleLbl="sibTrans2D1" presStyleIdx="0" presStyleCnt="5"/>
+      <dgm:prSet presAssocID="{4D9B30BB-67D7-B241-B6AC-9AC554573BB9}" presName="connectorText" presStyleLbl="sibTrans2D1" presStyleIdx="0" presStyleCnt="6"/>
       <dgm:spPr/>
     </dgm:pt>
     <dgm:pt modelId="{2A12D012-F3DE-1642-8374-9A41A6F62BCC}" type="pres">
-      <dgm:prSet presAssocID="{88B2786D-C2E7-CB4E-8497-8B6861F7EC4F}" presName="node" presStyleLbl="node1" presStyleIdx="1" presStyleCnt="6" custScaleX="96411" custScaleY="127527">
+      <dgm:prSet presAssocID="{88B2786D-C2E7-CB4E-8497-8B6861F7EC4F}" presName="node" presStyleLbl="node1" presStyleIdx="1" presStyleCnt="7" custScaleX="96411" custScaleY="127527">
         <dgm:presLayoutVars>
           <dgm:bulletEnabled val="1"/>
         </dgm:presLayoutVars>
@@ -1122,15 +1171,15 @@
       <dgm:spPr/>
     </dgm:pt>
     <dgm:pt modelId="{0E469AAD-67DB-DB45-B026-FD6D4C9BC799}" type="pres">
-      <dgm:prSet presAssocID="{9095D37E-CCB2-E440-9250-4C77B01FB8A3}" presName="sibTrans" presStyleLbl="sibTrans2D1" presStyleIdx="1" presStyleCnt="5"/>
+      <dgm:prSet presAssocID="{9095D37E-CCB2-E440-9250-4C77B01FB8A3}" presName="sibTrans" presStyleLbl="sibTrans2D1" presStyleIdx="1" presStyleCnt="6"/>
       <dgm:spPr/>
     </dgm:pt>
     <dgm:pt modelId="{DFDEF5BA-DC34-2449-9ACB-63F050348407}" type="pres">
-      <dgm:prSet presAssocID="{9095D37E-CCB2-E440-9250-4C77B01FB8A3}" presName="connectorText" presStyleLbl="sibTrans2D1" presStyleIdx="1" presStyleCnt="5"/>
+      <dgm:prSet presAssocID="{9095D37E-CCB2-E440-9250-4C77B01FB8A3}" presName="connectorText" presStyleLbl="sibTrans2D1" presStyleIdx="1" presStyleCnt="6"/>
       <dgm:spPr/>
     </dgm:pt>
     <dgm:pt modelId="{1ECA0AE2-103B-C949-B630-249F4B78AF4F}" type="pres">
-      <dgm:prSet presAssocID="{72F970CB-C06D-914A-B2B3-0A9E76EE28E1}" presName="node" presStyleLbl="node1" presStyleIdx="2" presStyleCnt="6" custScaleX="96411" custScaleY="127527">
+      <dgm:prSet presAssocID="{72F970CB-C06D-914A-B2B3-0A9E76EE28E1}" presName="node" presStyleLbl="node1" presStyleIdx="2" presStyleCnt="7" custScaleX="96411" custScaleY="127527">
         <dgm:presLayoutVars>
           <dgm:bulletEnabled val="1"/>
         </dgm:presLayoutVars>
@@ -1138,15 +1187,15 @@
       <dgm:spPr/>
     </dgm:pt>
     <dgm:pt modelId="{204A4CDC-6D0C-AB49-A4C5-7976C4B34CA3}" type="pres">
-      <dgm:prSet presAssocID="{C8762D56-6175-A742-9F5F-FC5DAD8A416B}" presName="sibTrans" presStyleLbl="sibTrans2D1" presStyleIdx="2" presStyleCnt="5"/>
+      <dgm:prSet presAssocID="{C8762D56-6175-A742-9F5F-FC5DAD8A416B}" presName="sibTrans" presStyleLbl="sibTrans2D1" presStyleIdx="2" presStyleCnt="6"/>
       <dgm:spPr/>
     </dgm:pt>
     <dgm:pt modelId="{DA88684D-A47F-8346-A309-31415F97348F}" type="pres">
-      <dgm:prSet presAssocID="{C8762D56-6175-A742-9F5F-FC5DAD8A416B}" presName="connectorText" presStyleLbl="sibTrans2D1" presStyleIdx="2" presStyleCnt="5"/>
+      <dgm:prSet presAssocID="{C8762D56-6175-A742-9F5F-FC5DAD8A416B}" presName="connectorText" presStyleLbl="sibTrans2D1" presStyleIdx="2" presStyleCnt="6"/>
       <dgm:spPr/>
     </dgm:pt>
     <dgm:pt modelId="{CE09BF8C-2185-F646-B046-90B061B2B03D}" type="pres">
-      <dgm:prSet presAssocID="{93E3169C-480B-CF43-8FFE-BE63972949B9}" presName="node" presStyleLbl="node1" presStyleIdx="3" presStyleCnt="6" custScaleX="96411" custScaleY="127527">
+      <dgm:prSet presAssocID="{93E3169C-480B-CF43-8FFE-BE63972949B9}" presName="node" presStyleLbl="node1" presStyleIdx="3" presStyleCnt="7" custScaleX="96411" custScaleY="127527">
         <dgm:presLayoutVars>
           <dgm:bulletEnabled val="1"/>
         </dgm:presLayoutVars>
@@ -1154,15 +1203,15 @@
       <dgm:spPr/>
     </dgm:pt>
     <dgm:pt modelId="{ED917D61-B01E-954E-ABAD-EA9EC154C820}" type="pres">
-      <dgm:prSet presAssocID="{0A233C9A-9F9A-194D-9830-16BCC55D2233}" presName="sibTrans" presStyleLbl="sibTrans2D1" presStyleIdx="3" presStyleCnt="5"/>
+      <dgm:prSet presAssocID="{0A233C9A-9F9A-194D-9830-16BCC55D2233}" presName="sibTrans" presStyleLbl="sibTrans2D1" presStyleIdx="3" presStyleCnt="6"/>
       <dgm:spPr/>
     </dgm:pt>
     <dgm:pt modelId="{41F14EBC-1E27-3F46-88B0-A801570668E8}" type="pres">
-      <dgm:prSet presAssocID="{0A233C9A-9F9A-194D-9830-16BCC55D2233}" presName="connectorText" presStyleLbl="sibTrans2D1" presStyleIdx="3" presStyleCnt="5"/>
+      <dgm:prSet presAssocID="{0A233C9A-9F9A-194D-9830-16BCC55D2233}" presName="connectorText" presStyleLbl="sibTrans2D1" presStyleIdx="3" presStyleCnt="6"/>
       <dgm:spPr/>
     </dgm:pt>
     <dgm:pt modelId="{0C859A6C-897F-2545-AD86-0B09879048AD}" type="pres">
-      <dgm:prSet presAssocID="{A0D72193-3F9F-B543-B6ED-4406094FD8B1}" presName="node" presStyleLbl="node1" presStyleIdx="4" presStyleCnt="6" custScaleX="96411" custScaleY="127527">
+      <dgm:prSet presAssocID="{A0D72193-3F9F-B543-B6ED-4406094FD8B1}" presName="node" presStyleLbl="node1" presStyleIdx="4" presStyleCnt="7" custScaleX="96411" custScaleY="127527">
         <dgm:presLayoutVars>
           <dgm:bulletEnabled val="1"/>
         </dgm:presLayoutVars>
@@ -1170,15 +1219,31 @@
       <dgm:spPr/>
     </dgm:pt>
     <dgm:pt modelId="{731D57EC-0260-C04B-B707-3290AC14D3CE}" type="pres">
-      <dgm:prSet presAssocID="{BC309D18-8D3C-6848-9B0B-4FCAB7AC966C}" presName="sibTrans" presStyleLbl="sibTrans2D1" presStyleIdx="4" presStyleCnt="5"/>
+      <dgm:prSet presAssocID="{BC309D18-8D3C-6848-9B0B-4FCAB7AC966C}" presName="sibTrans" presStyleLbl="sibTrans2D1" presStyleIdx="4" presStyleCnt="6"/>
       <dgm:spPr/>
     </dgm:pt>
     <dgm:pt modelId="{C507CB06-FD27-B84A-8D7F-83CE0C125BE7}" type="pres">
-      <dgm:prSet presAssocID="{BC309D18-8D3C-6848-9B0B-4FCAB7AC966C}" presName="connectorText" presStyleLbl="sibTrans2D1" presStyleIdx="4" presStyleCnt="5"/>
+      <dgm:prSet presAssocID="{BC309D18-8D3C-6848-9B0B-4FCAB7AC966C}" presName="connectorText" presStyleLbl="sibTrans2D1" presStyleIdx="4" presStyleCnt="6"/>
       <dgm:spPr/>
     </dgm:pt>
     <dgm:pt modelId="{72B339E9-9F6B-2C43-BFCA-F16627312518}" type="pres">
-      <dgm:prSet presAssocID="{5538E902-5070-5C4E-A74B-3DEF4516A0CC}" presName="node" presStyleLbl="node1" presStyleIdx="5" presStyleCnt="6" custScaleX="96411" custScaleY="127527">
+      <dgm:prSet presAssocID="{5538E902-5070-5C4E-A74B-3DEF4516A0CC}" presName="node" presStyleLbl="node1" presStyleIdx="5" presStyleCnt="7" custScaleX="96411" custScaleY="127527">
+        <dgm:presLayoutVars>
+          <dgm:bulletEnabled val="1"/>
+        </dgm:presLayoutVars>
+      </dgm:prSet>
+      <dgm:spPr/>
+    </dgm:pt>
+    <dgm:pt modelId="{6034921A-B515-5B4E-9FB6-84F8E34085BE}" type="pres">
+      <dgm:prSet presAssocID="{C68096A6-C77B-2446-A8C6-1A11212E5285}" presName="sibTrans" presStyleLbl="sibTrans2D1" presStyleIdx="5" presStyleCnt="6"/>
+      <dgm:spPr/>
+    </dgm:pt>
+    <dgm:pt modelId="{ECE91817-FACB-8E49-AE69-B716E4FBF8AF}" type="pres">
+      <dgm:prSet presAssocID="{C68096A6-C77B-2446-A8C6-1A11212E5285}" presName="connectorText" presStyleLbl="sibTrans2D1" presStyleIdx="5" presStyleCnt="6"/>
+      <dgm:spPr/>
+    </dgm:pt>
+    <dgm:pt modelId="{FC3A70B1-9BEE-EC45-A8C3-67EC4BFDBE1B}" type="pres">
+      <dgm:prSet presAssocID="{C36BB3B5-B375-404A-A017-F17DFB428495}" presName="node" presStyleLbl="node1" presStyleIdx="6" presStyleCnt="7" custScaleX="96411" custScaleY="127527">
         <dgm:presLayoutVars>
           <dgm:bulletEnabled val="1"/>
         </dgm:presLayoutVars>
@@ -1199,14 +1264,18 @@
     <dgm:cxn modelId="{AB400B45-4D9F-4247-B9A0-3651938A8466}" type="presOf" srcId="{C8762D56-6175-A742-9F5F-FC5DAD8A416B}" destId="{DA88684D-A47F-8346-A309-31415F97348F}" srcOrd="1" destOrd="0" presId="urn:microsoft.com/office/officeart/2005/8/layout/process1"/>
     <dgm:cxn modelId="{94A6B94F-53D2-5C4F-8E3A-33A2B4EE3A1F}" type="presOf" srcId="{C8762D56-6175-A742-9F5F-FC5DAD8A416B}" destId="{204A4CDC-6D0C-AB49-A4C5-7976C4B34CA3}" srcOrd="0" destOrd="0" presId="urn:microsoft.com/office/officeart/2005/8/layout/process1"/>
     <dgm:cxn modelId="{AAEA5856-4CD7-9E44-BAF0-6BD005AF199C}" type="presOf" srcId="{4D9B30BB-67D7-B241-B6AC-9AC554573BB9}" destId="{025CC4B5-EFD7-384E-BEEF-AAA526D0D813}" srcOrd="0" destOrd="0" presId="urn:microsoft.com/office/officeart/2005/8/layout/process1"/>
+    <dgm:cxn modelId="{B8F88B59-1C5C-FF42-BA94-9AE5C51B0561}" type="presOf" srcId="{C68096A6-C77B-2446-A8C6-1A11212E5285}" destId="{6034921A-B515-5B4E-9FB6-84F8E34085BE}" srcOrd="0" destOrd="0" presId="urn:microsoft.com/office/officeart/2005/8/layout/process1"/>
     <dgm:cxn modelId="{2787C759-0706-154A-AD54-D0C409D08A84}" type="presOf" srcId="{9095D37E-CCB2-E440-9250-4C77B01FB8A3}" destId="{DFDEF5BA-DC34-2449-9ACB-63F050348407}" srcOrd="1" destOrd="0" presId="urn:microsoft.com/office/officeart/2005/8/layout/process1"/>
     <dgm:cxn modelId="{5B77E975-5147-5D47-9EF8-985BA0F986E3}" type="presOf" srcId="{5538E902-5070-5C4E-A74B-3DEF4516A0CC}" destId="{72B339E9-9F6B-2C43-BFCA-F16627312518}" srcOrd="0" destOrd="0" presId="urn:microsoft.com/office/officeart/2005/8/layout/process1"/>
     <dgm:cxn modelId="{393A9779-631E-FC4F-8D79-0018CF714A30}" type="presOf" srcId="{0A233C9A-9F9A-194D-9830-16BCC55D2233}" destId="{41F14EBC-1E27-3F46-88B0-A801570668E8}" srcOrd="1" destOrd="0" presId="urn:microsoft.com/office/officeart/2005/8/layout/process1"/>
     <dgm:cxn modelId="{14A68890-6896-3A48-AAF1-54A0DB4C5991}" type="presOf" srcId="{88B2786D-C2E7-CB4E-8497-8B6861F7EC4F}" destId="{2A12D012-F3DE-1642-8374-9A41A6F62BCC}" srcOrd="0" destOrd="0" presId="urn:microsoft.com/office/officeart/2005/8/layout/process1"/>
+    <dgm:cxn modelId="{5CB04492-2FA5-F244-9B73-FDFDA724DA3B}" type="presOf" srcId="{C68096A6-C77B-2446-A8C6-1A11212E5285}" destId="{ECE91817-FACB-8E49-AE69-B716E4FBF8AF}" srcOrd="1" destOrd="0" presId="urn:microsoft.com/office/officeart/2005/8/layout/process1"/>
+    <dgm:cxn modelId="{EE742896-09CA-0442-BA19-7607189E4DD8}" srcId="{4173C58C-C81B-804C-822C-DE5C954F9D1C}" destId="{C36BB3B5-B375-404A-A017-F17DFB428495}" srcOrd="6" destOrd="0" parTransId="{A1855BCC-CBCD-414C-8E03-6BD1EF96F3EE}" sibTransId="{88094F2F-9DE4-E84B-9A37-9E9AAE6BFBA8}"/>
     <dgm:cxn modelId="{F5B4DAA9-C726-5543-87F5-794DBBFD0E38}" srcId="{4173C58C-C81B-804C-822C-DE5C954F9D1C}" destId="{5538E902-5070-5C4E-A74B-3DEF4516A0CC}" srcOrd="5" destOrd="0" parTransId="{68C9601C-CE7F-E247-A27E-B7C19A0EAE02}" sibTransId="{C68096A6-C77B-2446-A8C6-1A11212E5285}"/>
     <dgm:cxn modelId="{959914AC-C5E9-264A-9B00-40A41A0AC2CB}" srcId="{4173C58C-C81B-804C-822C-DE5C954F9D1C}" destId="{93E3169C-480B-CF43-8FFE-BE63972949B9}" srcOrd="3" destOrd="0" parTransId="{A6529351-C90B-E14D-8FD4-6840BF11CF30}" sibTransId="{0A233C9A-9F9A-194D-9830-16BCC55D2233}"/>
     <dgm:cxn modelId="{59B277C7-CC1C-714D-A800-D26220C36509}" type="presOf" srcId="{BC309D18-8D3C-6848-9B0B-4FCAB7AC966C}" destId="{731D57EC-0260-C04B-B707-3290AC14D3CE}" srcOrd="0" destOrd="0" presId="urn:microsoft.com/office/officeart/2005/8/layout/process1"/>
     <dgm:cxn modelId="{CC01F0CA-2E90-EB4E-B3BD-5DFCED6E2F0B}" type="presOf" srcId="{0A233C9A-9F9A-194D-9830-16BCC55D2233}" destId="{ED917D61-B01E-954E-ABAD-EA9EC154C820}" srcOrd="0" destOrd="0" presId="urn:microsoft.com/office/officeart/2005/8/layout/process1"/>
+    <dgm:cxn modelId="{AB6D80D6-8829-1C4B-B8CE-8830FA27E5FD}" type="presOf" srcId="{C36BB3B5-B375-404A-A017-F17DFB428495}" destId="{FC3A70B1-9BEE-EC45-A8C3-67EC4BFDBE1B}" srcOrd="0" destOrd="0" presId="urn:microsoft.com/office/officeart/2005/8/layout/process1"/>
     <dgm:cxn modelId="{184326E2-61A7-014B-B744-15B39EC43A61}" type="presOf" srcId="{72F970CB-C06D-914A-B2B3-0A9E76EE28E1}" destId="{1ECA0AE2-103B-C949-B630-249F4B78AF4F}" srcOrd="0" destOrd="0" presId="urn:microsoft.com/office/officeart/2005/8/layout/process1"/>
     <dgm:cxn modelId="{E38771EE-2789-044F-B268-E16309B8B0B1}" type="presOf" srcId="{A0D72193-3F9F-B543-B6ED-4406094FD8B1}" destId="{0C859A6C-897F-2545-AD86-0B09879048AD}" srcOrd="0" destOrd="0" presId="urn:microsoft.com/office/officeart/2005/8/layout/process1"/>
     <dgm:cxn modelId="{52BCA6EF-3D49-EB4F-B275-584B3BB276C1}" srcId="{4173C58C-C81B-804C-822C-DE5C954F9D1C}" destId="{7FAFFCA0-5E54-C040-886B-9AC2D7352B31}" srcOrd="0" destOrd="0" parTransId="{7410D2DD-308A-B941-BE9A-C3510893EE37}" sibTransId="{4D9B30BB-67D7-B241-B6AC-9AC554573BB9}"/>
@@ -1226,6 +1295,9 @@
     <dgm:cxn modelId="{74BE5672-4914-3E4A-8C59-B26F1E6DB223}" type="presParOf" srcId="{5551050A-11C5-B74D-9C41-D2B30C95B2F1}" destId="{731D57EC-0260-C04B-B707-3290AC14D3CE}" srcOrd="9" destOrd="0" presId="urn:microsoft.com/office/officeart/2005/8/layout/process1"/>
     <dgm:cxn modelId="{3CBE5DAA-99F7-2340-81F3-E8DE564C4444}" type="presParOf" srcId="{731D57EC-0260-C04B-B707-3290AC14D3CE}" destId="{C507CB06-FD27-B84A-8D7F-83CE0C125BE7}" srcOrd="0" destOrd="0" presId="urn:microsoft.com/office/officeart/2005/8/layout/process1"/>
     <dgm:cxn modelId="{1B2FA9BD-CD82-0346-9A9F-B7F1CDD6874B}" type="presParOf" srcId="{5551050A-11C5-B74D-9C41-D2B30C95B2F1}" destId="{72B339E9-9F6B-2C43-BFCA-F16627312518}" srcOrd="10" destOrd="0" presId="urn:microsoft.com/office/officeart/2005/8/layout/process1"/>
+    <dgm:cxn modelId="{A6FC7B27-4109-0D40-B6B3-D40B8BAC4469}" type="presParOf" srcId="{5551050A-11C5-B74D-9C41-D2B30C95B2F1}" destId="{6034921A-B515-5B4E-9FB6-84F8E34085BE}" srcOrd="11" destOrd="0" presId="urn:microsoft.com/office/officeart/2005/8/layout/process1"/>
+    <dgm:cxn modelId="{94ADB5DD-576C-4145-A5FB-AC8E14A9FB42}" type="presParOf" srcId="{6034921A-B515-5B4E-9FB6-84F8E34085BE}" destId="{ECE91817-FACB-8E49-AE69-B716E4FBF8AF}" srcOrd="0" destOrd="0" presId="urn:microsoft.com/office/officeart/2005/8/layout/process1"/>
+    <dgm:cxn modelId="{57CE735D-B6D0-794E-ACC4-59DE8A1FE86E}" type="presParOf" srcId="{5551050A-11C5-B74D-9C41-D2B30C95B2F1}" destId="{FC3A70B1-9BEE-EC45-A8C3-67EC4BFDBE1B}" srcOrd="12" destOrd="0" presId="urn:microsoft.com/office/officeart/2005/8/layout/process1"/>
   </dgm:cxnLst>
   <dgm:bg/>
   <dgm:whole/>
@@ -1252,8 +1324,8 @@
       </dsp:nvSpPr>
       <dsp:spPr>
         <a:xfrm>
-          <a:off x="1487" y="284481"/>
-          <a:ext cx="1188715" cy="1463036"/>
+          <a:off x="2256" y="539442"/>
+          <a:ext cx="1011312" cy="953115"/>
         </a:xfrm>
         <a:prstGeom prst="roundRect">
           <a:avLst>
@@ -1296,12 +1368,12 @@
         </a:fontRef>
       </dsp:style>
       <dsp:txBody>
-        <a:bodyPr spcFirstLastPara="0" vert="horz" wrap="square" lIns="68580" tIns="68580" rIns="68580" bIns="68580" numCol="1" spcCol="1270" anchor="ctr" anchorCtr="0">
+        <a:bodyPr spcFirstLastPara="0" vert="horz" wrap="square" lIns="57150" tIns="57150" rIns="57150" bIns="57150" numCol="1" spcCol="1270" anchor="ctr" anchorCtr="0">
           <a:noAutofit/>
         </a:bodyPr>
         <a:lstStyle/>
         <a:p>
-          <a:pPr marL="0" lvl="0" indent="0" algn="ctr" defTabSz="800100">
+          <a:pPr marL="0" lvl="0" indent="0" algn="ctr" defTabSz="666750">
             <a:lnSpc>
               <a:spcPct val="90000"/>
             </a:lnSpc>
@@ -1314,14 +1386,14 @@
             <a:buNone/>
           </a:pPr>
           <a:r>
-            <a:rPr lang="en-US" sz="1800" kern="1200" dirty="0"/>
+            <a:rPr lang="en-US" sz="1500" kern="1200" dirty="0"/>
             <a:t>Parse the input images</a:t>
           </a:r>
         </a:p>
       </dsp:txBody>
       <dsp:txXfrm>
-        <a:off x="36303" y="319297"/>
-        <a:ext cx="1119083" cy="1393404"/>
+        <a:off x="30172" y="567358"/>
+        <a:ext cx="955480" cy="897283"/>
       </dsp:txXfrm>
     </dsp:sp>
     <dsp:sp modelId="{025CC4B5-EFD7-384E-BEEF-AAA526D0D813}">
@@ -1331,8 +1403,8 @@
       </dsp:nvSpPr>
       <dsp:spPr>
         <a:xfrm>
-          <a:off x="1313499" y="863112"/>
-          <a:ext cx="261388" cy="305775"/>
+          <a:off x="1118464" y="885929"/>
+          <a:ext cx="222379" cy="260141"/>
         </a:xfrm>
         <a:prstGeom prst="rightArrow">
           <a:avLst>
@@ -1374,7 +1446,7 @@
         </a:bodyPr>
         <a:lstStyle/>
         <a:p>
-          <a:pPr marL="0" lvl="0" indent="0" algn="ctr" defTabSz="622300">
+          <a:pPr marL="0" lvl="0" indent="0" algn="ctr" defTabSz="533400">
             <a:lnSpc>
               <a:spcPct val="90000"/>
             </a:lnSpc>
@@ -1386,12 +1458,12 @@
             </a:spcAft>
             <a:buNone/>
           </a:pPr>
-          <a:endParaRPr lang="en-US" sz="1400" kern="1200"/>
+          <a:endParaRPr lang="en-US" sz="1200" kern="1200"/>
         </a:p>
       </dsp:txBody>
       <dsp:txXfrm>
-        <a:off x="1313499" y="924267"/>
-        <a:ext cx="182972" cy="183465"/>
+        <a:off x="1118464" y="937957"/>
+        <a:ext cx="155665" cy="156085"/>
       </dsp:txXfrm>
     </dsp:sp>
     <dsp:sp modelId="{2A12D012-F3DE-1642-8374-9A41A6F62BCC}">
@@ -1401,8 +1473,8 @@
       </dsp:nvSpPr>
       <dsp:spPr>
         <a:xfrm>
-          <a:off x="1683389" y="284481"/>
-          <a:ext cx="1188715" cy="1463036"/>
+          <a:off x="1433152" y="539442"/>
+          <a:ext cx="1011312" cy="953115"/>
         </a:xfrm>
         <a:prstGeom prst="roundRect">
           <a:avLst>
@@ -1445,12 +1517,12 @@
         </a:fontRef>
       </dsp:style>
       <dsp:txBody>
-        <a:bodyPr spcFirstLastPara="0" vert="horz" wrap="square" lIns="68580" tIns="68580" rIns="68580" bIns="68580" numCol="1" spcCol="1270" anchor="ctr" anchorCtr="0">
+        <a:bodyPr spcFirstLastPara="0" vert="horz" wrap="square" lIns="57150" tIns="57150" rIns="57150" bIns="57150" numCol="1" spcCol="1270" anchor="ctr" anchorCtr="0">
           <a:noAutofit/>
         </a:bodyPr>
         <a:lstStyle/>
         <a:p>
-          <a:pPr marL="0" lvl="0" indent="0" algn="ctr" defTabSz="800100">
+          <a:pPr marL="0" lvl="0" indent="0" algn="ctr" defTabSz="666750">
             <a:lnSpc>
               <a:spcPct val="90000"/>
             </a:lnSpc>
@@ -1463,14 +1535,14 @@
             <a:buNone/>
           </a:pPr>
           <a:r>
-            <a:rPr lang="en-US" sz="1800" kern="1200" dirty="0"/>
-            <a:t>Generate the average image</a:t>
+            <a:rPr lang="en-US" sz="1500" kern="1200" dirty="0"/>
+            <a:t>Convert to gray scale</a:t>
           </a:r>
         </a:p>
       </dsp:txBody>
       <dsp:txXfrm>
-        <a:off x="1718205" y="319297"/>
-        <a:ext cx="1119083" cy="1393404"/>
+        <a:off x="1461068" y="567358"/>
+        <a:ext cx="955480" cy="897283"/>
       </dsp:txXfrm>
     </dsp:sp>
     <dsp:sp modelId="{0E469AAD-67DB-DB45-B026-FD6D4C9BC799}">
@@ -1480,8 +1552,8 @@
       </dsp:nvSpPr>
       <dsp:spPr>
         <a:xfrm>
-          <a:off x="2995401" y="863112"/>
-          <a:ext cx="261388" cy="305775"/>
+          <a:off x="2549360" y="885929"/>
+          <a:ext cx="222379" cy="260141"/>
         </a:xfrm>
         <a:prstGeom prst="rightArrow">
           <a:avLst>
@@ -1523,7 +1595,7 @@
         </a:bodyPr>
         <a:lstStyle/>
         <a:p>
-          <a:pPr marL="0" lvl="0" indent="0" algn="ctr" defTabSz="622300">
+          <a:pPr marL="0" lvl="0" indent="0" algn="ctr" defTabSz="533400">
             <a:lnSpc>
               <a:spcPct val="90000"/>
             </a:lnSpc>
@@ -1535,12 +1607,12 @@
             </a:spcAft>
             <a:buNone/>
           </a:pPr>
-          <a:endParaRPr lang="en-US" sz="1400" kern="1200"/>
+          <a:endParaRPr lang="en-US" sz="1200" kern="1200"/>
         </a:p>
       </dsp:txBody>
       <dsp:txXfrm>
-        <a:off x="2995401" y="924267"/>
-        <a:ext cx="182972" cy="183465"/>
+        <a:off x="2549360" y="937957"/>
+        <a:ext cx="155665" cy="156085"/>
       </dsp:txXfrm>
     </dsp:sp>
     <dsp:sp modelId="{1ECA0AE2-103B-C949-B630-249F4B78AF4F}">
@@ -1550,8 +1622,8 @@
       </dsp:nvSpPr>
       <dsp:spPr>
         <a:xfrm>
-          <a:off x="3365291" y="284481"/>
-          <a:ext cx="1188715" cy="1463036"/>
+          <a:off x="2864048" y="539442"/>
+          <a:ext cx="1011312" cy="953115"/>
         </a:xfrm>
         <a:prstGeom prst="roundRect">
           <a:avLst>
@@ -1594,12 +1666,12 @@
         </a:fontRef>
       </dsp:style>
       <dsp:txBody>
-        <a:bodyPr spcFirstLastPara="0" vert="horz" wrap="square" lIns="68580" tIns="68580" rIns="68580" bIns="68580" numCol="1" spcCol="1270" anchor="ctr" anchorCtr="0">
+        <a:bodyPr spcFirstLastPara="0" vert="horz" wrap="square" lIns="57150" tIns="57150" rIns="57150" bIns="57150" numCol="1" spcCol="1270" anchor="ctr" anchorCtr="0">
           <a:noAutofit/>
         </a:bodyPr>
         <a:lstStyle/>
         <a:p>
-          <a:pPr marL="0" lvl="0" indent="0" algn="ctr" defTabSz="800100">
+          <a:pPr marL="0" lvl="0" indent="0" algn="ctr" defTabSz="666750">
             <a:lnSpc>
               <a:spcPct val="90000"/>
             </a:lnSpc>
@@ -1612,14 +1684,32 @@
             <a:buNone/>
           </a:pPr>
           <a:r>
-            <a:rPr lang="en-US" sz="1800" kern="1200" dirty="0"/>
-            <a:t>Convert to greyscale</a:t>
+            <a:rPr lang="en-US" sz="1500" kern="1200" dirty="0"/>
+            <a:t>Gaussian</a:t>
+          </a:r>
+        </a:p>
+        <a:p>
+          <a:pPr marL="0" lvl="0" indent="0" algn="ctr" defTabSz="666750">
+            <a:lnSpc>
+              <a:spcPct val="90000"/>
+            </a:lnSpc>
+            <a:spcBef>
+              <a:spcPct val="0"/>
+            </a:spcBef>
+            <a:spcAft>
+              <a:spcPct val="35000"/>
+            </a:spcAft>
+            <a:buNone/>
+          </a:pPr>
+          <a:r>
+            <a:rPr lang="en-US" sz="1500" kern="1200" dirty="0"/>
+            <a:t>Blur</a:t>
           </a:r>
         </a:p>
       </dsp:txBody>
       <dsp:txXfrm>
-        <a:off x="3400107" y="319297"/>
-        <a:ext cx="1119083" cy="1393404"/>
+        <a:off x="2891964" y="567358"/>
+        <a:ext cx="955480" cy="897283"/>
       </dsp:txXfrm>
     </dsp:sp>
     <dsp:sp modelId="{204A4CDC-6D0C-AB49-A4C5-7976C4B34CA3}">
@@ -1629,8 +1719,8 @@
       </dsp:nvSpPr>
       <dsp:spPr>
         <a:xfrm>
-          <a:off x="4677303" y="863112"/>
-          <a:ext cx="261388" cy="305775"/>
+          <a:off x="3980256" y="885929"/>
+          <a:ext cx="222379" cy="260141"/>
         </a:xfrm>
         <a:prstGeom prst="rightArrow">
           <a:avLst>
@@ -1672,7 +1762,7 @@
         </a:bodyPr>
         <a:lstStyle/>
         <a:p>
-          <a:pPr marL="0" lvl="0" indent="0" algn="ctr" defTabSz="622300">
+          <a:pPr marL="0" lvl="0" indent="0" algn="ctr" defTabSz="533400">
             <a:lnSpc>
               <a:spcPct val="90000"/>
             </a:lnSpc>
@@ -1684,12 +1774,12 @@
             </a:spcAft>
             <a:buNone/>
           </a:pPr>
-          <a:endParaRPr lang="en-US" sz="1400" kern="1200"/>
+          <a:endParaRPr lang="en-US" sz="1200" kern="1200"/>
         </a:p>
       </dsp:txBody>
       <dsp:txXfrm>
-        <a:off x="4677303" y="924267"/>
-        <a:ext cx="182972" cy="183465"/>
+        <a:off x="3980256" y="937957"/>
+        <a:ext cx="155665" cy="156085"/>
       </dsp:txXfrm>
     </dsp:sp>
     <dsp:sp modelId="{CE09BF8C-2185-F646-B046-90B061B2B03D}">
@@ -1699,8 +1789,8 @@
       </dsp:nvSpPr>
       <dsp:spPr>
         <a:xfrm>
-          <a:off x="5047193" y="284481"/>
-          <a:ext cx="1188715" cy="1463036"/>
+          <a:off x="4294943" y="539442"/>
+          <a:ext cx="1011312" cy="953115"/>
         </a:xfrm>
         <a:prstGeom prst="roundRect">
           <a:avLst>
@@ -1743,12 +1833,12 @@
         </a:fontRef>
       </dsp:style>
       <dsp:txBody>
-        <a:bodyPr spcFirstLastPara="0" vert="horz" wrap="square" lIns="68580" tIns="68580" rIns="68580" bIns="68580" numCol="1" spcCol="1270" anchor="ctr" anchorCtr="0">
+        <a:bodyPr spcFirstLastPara="0" vert="horz" wrap="square" lIns="57150" tIns="57150" rIns="57150" bIns="57150" numCol="1" spcCol="1270" anchor="ctr" anchorCtr="0">
           <a:noAutofit/>
         </a:bodyPr>
         <a:lstStyle/>
         <a:p>
-          <a:pPr marL="0" lvl="0" indent="0" algn="ctr" defTabSz="800100">
+          <a:pPr marL="0" lvl="0" indent="0" algn="ctr" defTabSz="666750">
             <a:lnSpc>
               <a:spcPct val="90000"/>
             </a:lnSpc>
@@ -1761,14 +1851,14 @@
             <a:buNone/>
           </a:pPr>
           <a:r>
-            <a:rPr lang="en-US" sz="1800" kern="1200" dirty="0"/>
-            <a:t>Calculate threshold</a:t>
+            <a:rPr lang="en-US" sz="1500" kern="1200" dirty="0"/>
+            <a:t>Sobel</a:t>
           </a:r>
         </a:p>
       </dsp:txBody>
       <dsp:txXfrm>
-        <a:off x="5082009" y="319297"/>
-        <a:ext cx="1119083" cy="1393404"/>
+        <a:off x="4322859" y="567358"/>
+        <a:ext cx="955480" cy="897283"/>
       </dsp:txXfrm>
     </dsp:sp>
     <dsp:sp modelId="{ED917D61-B01E-954E-ABAD-EA9EC154C820}">
@@ -1778,8 +1868,8 @@
       </dsp:nvSpPr>
       <dsp:spPr>
         <a:xfrm>
-          <a:off x="6359205" y="863112"/>
-          <a:ext cx="261388" cy="305775"/>
+          <a:off x="5411151" y="885929"/>
+          <a:ext cx="222379" cy="260141"/>
         </a:xfrm>
         <a:prstGeom prst="rightArrow">
           <a:avLst>
@@ -1821,7 +1911,7 @@
         </a:bodyPr>
         <a:lstStyle/>
         <a:p>
-          <a:pPr marL="0" lvl="0" indent="0" algn="ctr" defTabSz="622300">
+          <a:pPr marL="0" lvl="0" indent="0" algn="ctr" defTabSz="533400">
             <a:lnSpc>
               <a:spcPct val="90000"/>
             </a:lnSpc>
@@ -1833,12 +1923,12 @@
             </a:spcAft>
             <a:buNone/>
           </a:pPr>
-          <a:endParaRPr lang="en-US" sz="1400" kern="1200"/>
+          <a:endParaRPr lang="en-US" sz="1200" kern="1200"/>
         </a:p>
       </dsp:txBody>
       <dsp:txXfrm>
-        <a:off x="6359205" y="924267"/>
-        <a:ext cx="182972" cy="183465"/>
+        <a:off x="5411151" y="937957"/>
+        <a:ext cx="155665" cy="156085"/>
       </dsp:txXfrm>
     </dsp:sp>
     <dsp:sp modelId="{0C859A6C-897F-2545-AD86-0B09879048AD}">
@@ -1848,8 +1938,8 @@
       </dsp:nvSpPr>
       <dsp:spPr>
         <a:xfrm>
-          <a:off x="6729095" y="284481"/>
-          <a:ext cx="1188715" cy="1463036"/>
+          <a:off x="5725839" y="539442"/>
+          <a:ext cx="1011312" cy="953115"/>
         </a:xfrm>
         <a:prstGeom prst="roundRect">
           <a:avLst>
@@ -1892,12 +1982,12 @@
         </a:fontRef>
       </dsp:style>
       <dsp:txBody>
-        <a:bodyPr spcFirstLastPara="0" vert="horz" wrap="square" lIns="68580" tIns="68580" rIns="68580" bIns="68580" numCol="1" spcCol="1270" anchor="ctr" anchorCtr="0">
+        <a:bodyPr spcFirstLastPara="0" vert="horz" wrap="square" lIns="57150" tIns="57150" rIns="57150" bIns="57150" numCol="1" spcCol="1270" anchor="ctr" anchorCtr="0">
           <a:noAutofit/>
         </a:bodyPr>
         <a:lstStyle/>
         <a:p>
-          <a:pPr marL="0" lvl="0" indent="0" algn="ctr" defTabSz="800100">
+          <a:pPr marL="0" lvl="0" indent="0" algn="ctr" defTabSz="666750">
             <a:lnSpc>
               <a:spcPct val="90000"/>
             </a:lnSpc>
@@ -1910,14 +2000,14 @@
             <a:buNone/>
           </a:pPr>
           <a:r>
-            <a:rPr lang="en-US" sz="1800" kern="1200" dirty="0"/>
-            <a:t>Pixel convert</a:t>
+            <a:rPr lang="en-US" sz="1500" kern="1200" dirty="0"/>
+            <a:t>Generate mean image</a:t>
           </a:r>
         </a:p>
       </dsp:txBody>
       <dsp:txXfrm>
-        <a:off x="6763911" y="319297"/>
-        <a:ext cx="1119083" cy="1393404"/>
+        <a:off x="5753755" y="567358"/>
+        <a:ext cx="955480" cy="897283"/>
       </dsp:txXfrm>
     </dsp:sp>
     <dsp:sp modelId="{731D57EC-0260-C04B-B707-3290AC14D3CE}">
@@ -1927,8 +2017,8 @@
       </dsp:nvSpPr>
       <dsp:spPr>
         <a:xfrm>
-          <a:off x="8041107" y="863112"/>
-          <a:ext cx="261388" cy="305775"/>
+          <a:off x="6842047" y="885929"/>
+          <a:ext cx="222379" cy="260141"/>
         </a:xfrm>
         <a:prstGeom prst="rightArrow">
           <a:avLst>
@@ -1970,7 +2060,7 @@
         </a:bodyPr>
         <a:lstStyle/>
         <a:p>
-          <a:pPr marL="0" lvl="0" indent="0" algn="ctr" defTabSz="622300">
+          <a:pPr marL="0" lvl="0" indent="0" algn="ctr" defTabSz="533400">
             <a:lnSpc>
               <a:spcPct val="90000"/>
             </a:lnSpc>
@@ -1982,12 +2072,12 @@
             </a:spcAft>
             <a:buNone/>
           </a:pPr>
-          <a:endParaRPr lang="en-US" sz="1400" kern="1200"/>
+          <a:endParaRPr lang="en-US" sz="1200" kern="1200"/>
         </a:p>
       </dsp:txBody>
       <dsp:txXfrm>
-        <a:off x="8041107" y="924267"/>
-        <a:ext cx="182972" cy="183465"/>
+        <a:off x="6842047" y="937957"/>
+        <a:ext cx="155665" cy="156085"/>
       </dsp:txXfrm>
     </dsp:sp>
     <dsp:sp modelId="{72B339E9-9F6B-2C43-BFCA-F16627312518}">
@@ -1997,8 +2087,8 @@
       </dsp:nvSpPr>
       <dsp:spPr>
         <a:xfrm>
-          <a:off x="8410997" y="284481"/>
-          <a:ext cx="1188715" cy="1463036"/>
+          <a:off x="7156735" y="539442"/>
+          <a:ext cx="1011312" cy="953115"/>
         </a:xfrm>
         <a:prstGeom prst="roundRect">
           <a:avLst>
@@ -2041,12 +2131,12 @@
         </a:fontRef>
       </dsp:style>
       <dsp:txBody>
-        <a:bodyPr spcFirstLastPara="0" vert="horz" wrap="square" lIns="68580" tIns="68580" rIns="68580" bIns="68580" numCol="1" spcCol="1270" anchor="ctr" anchorCtr="0">
+        <a:bodyPr spcFirstLastPara="0" vert="horz" wrap="square" lIns="57150" tIns="57150" rIns="57150" bIns="57150" numCol="1" spcCol="1270" anchor="ctr" anchorCtr="0">
           <a:noAutofit/>
         </a:bodyPr>
         <a:lstStyle/>
         <a:p>
-          <a:pPr marL="0" lvl="0" indent="0" algn="ctr" defTabSz="800100">
+          <a:pPr marL="0" lvl="0" indent="0" algn="ctr" defTabSz="666750">
             <a:lnSpc>
               <a:spcPct val="90000"/>
             </a:lnSpc>
@@ -2059,14 +2149,163 @@
             <a:buNone/>
           </a:pPr>
           <a:r>
-            <a:rPr lang="en-US" sz="1800" kern="1200" dirty="0"/>
-            <a:t>Create Mask Image</a:t>
+            <a:rPr lang="en-US" sz="1500" kern="1200" dirty="0"/>
+            <a:t>Threshold</a:t>
           </a:r>
         </a:p>
       </dsp:txBody>
       <dsp:txXfrm>
-        <a:off x="8445813" y="319297"/>
-        <a:ext cx="1119083" cy="1393404"/>
+        <a:off x="7184651" y="567358"/>
+        <a:ext cx="955480" cy="897283"/>
+      </dsp:txXfrm>
+    </dsp:sp>
+    <dsp:sp modelId="{6034921A-B515-5B4E-9FB6-84F8E34085BE}">
+      <dsp:nvSpPr>
+        <dsp:cNvPr id="0" name=""/>
+        <dsp:cNvSpPr/>
+      </dsp:nvSpPr>
+      <dsp:spPr>
+        <a:xfrm>
+          <a:off x="8272943" y="885929"/>
+          <a:ext cx="222379" cy="260141"/>
+        </a:xfrm>
+        <a:prstGeom prst="rightArrow">
+          <a:avLst>
+            <a:gd name="adj1" fmla="val 60000"/>
+            <a:gd name="adj2" fmla="val 50000"/>
+          </a:avLst>
+        </a:prstGeom>
+        <a:solidFill>
+          <a:schemeClr val="accent1">
+            <a:tint val="60000"/>
+            <a:hueOff val="0"/>
+            <a:satOff val="0"/>
+            <a:lumOff val="0"/>
+            <a:alphaOff val="0"/>
+          </a:schemeClr>
+        </a:solidFill>
+        <a:ln>
+          <a:noFill/>
+        </a:ln>
+        <a:effectLst/>
+      </dsp:spPr>
+      <dsp:style>
+        <a:lnRef idx="0">
+          <a:scrgbClr r="0" g="0" b="0"/>
+        </a:lnRef>
+        <a:fillRef idx="1">
+          <a:scrgbClr r="0" g="0" b="0"/>
+        </a:fillRef>
+        <a:effectRef idx="0">
+          <a:scrgbClr r="0" g="0" b="0"/>
+        </a:effectRef>
+        <a:fontRef idx="minor">
+          <a:schemeClr val="lt1"/>
+        </a:fontRef>
+      </dsp:style>
+      <dsp:txBody>
+        <a:bodyPr spcFirstLastPara="0" vert="horz" wrap="square" lIns="0" tIns="0" rIns="0" bIns="0" numCol="1" spcCol="1270" anchor="ctr" anchorCtr="0">
+          <a:noAutofit/>
+        </a:bodyPr>
+        <a:lstStyle/>
+        <a:p>
+          <a:pPr marL="0" lvl="0" indent="0" algn="ctr" defTabSz="533400">
+            <a:lnSpc>
+              <a:spcPct val="90000"/>
+            </a:lnSpc>
+            <a:spcBef>
+              <a:spcPct val="0"/>
+            </a:spcBef>
+            <a:spcAft>
+              <a:spcPct val="35000"/>
+            </a:spcAft>
+            <a:buNone/>
+          </a:pPr>
+          <a:endParaRPr lang="en-US" sz="1200" kern="1200"/>
+        </a:p>
+      </dsp:txBody>
+      <dsp:txXfrm>
+        <a:off x="8272943" y="937957"/>
+        <a:ext cx="155665" cy="156085"/>
+      </dsp:txXfrm>
+    </dsp:sp>
+    <dsp:sp modelId="{FC3A70B1-9BEE-EC45-A8C3-67EC4BFDBE1B}">
+      <dsp:nvSpPr>
+        <dsp:cNvPr id="0" name=""/>
+        <dsp:cNvSpPr/>
+      </dsp:nvSpPr>
+      <dsp:spPr>
+        <a:xfrm>
+          <a:off x="8587631" y="539442"/>
+          <a:ext cx="1011312" cy="953115"/>
+        </a:xfrm>
+        <a:prstGeom prst="roundRect">
+          <a:avLst>
+            <a:gd name="adj" fmla="val 10000"/>
+          </a:avLst>
+        </a:prstGeom>
+        <a:solidFill>
+          <a:schemeClr val="accent1">
+            <a:hueOff val="0"/>
+            <a:satOff val="0"/>
+            <a:lumOff val="0"/>
+            <a:alphaOff val="0"/>
+          </a:schemeClr>
+        </a:solidFill>
+        <a:ln w="34925" cap="flat" cmpd="sng" algn="in">
+          <a:solidFill>
+            <a:schemeClr val="lt1">
+              <a:hueOff val="0"/>
+              <a:satOff val="0"/>
+              <a:lumOff val="0"/>
+              <a:alphaOff val="0"/>
+            </a:schemeClr>
+          </a:solidFill>
+          <a:prstDash val="solid"/>
+        </a:ln>
+        <a:effectLst/>
+      </dsp:spPr>
+      <dsp:style>
+        <a:lnRef idx="2">
+          <a:scrgbClr r="0" g="0" b="0"/>
+        </a:lnRef>
+        <a:fillRef idx="1">
+          <a:scrgbClr r="0" g="0" b="0"/>
+        </a:fillRef>
+        <a:effectRef idx="0">
+          <a:scrgbClr r="0" g="0" b="0"/>
+        </a:effectRef>
+        <a:fontRef idx="minor">
+          <a:schemeClr val="lt1"/>
+        </a:fontRef>
+      </dsp:style>
+      <dsp:txBody>
+        <a:bodyPr spcFirstLastPara="0" vert="horz" wrap="square" lIns="57150" tIns="57150" rIns="57150" bIns="57150" numCol="1" spcCol="1270" anchor="ctr" anchorCtr="0">
+          <a:noAutofit/>
+        </a:bodyPr>
+        <a:lstStyle/>
+        <a:p>
+          <a:pPr marL="0" lvl="0" indent="0" algn="ctr" defTabSz="666750">
+            <a:lnSpc>
+              <a:spcPct val="90000"/>
+            </a:lnSpc>
+            <a:spcBef>
+              <a:spcPct val="0"/>
+            </a:spcBef>
+            <a:spcAft>
+              <a:spcPct val="35000"/>
+            </a:spcAft>
+            <a:buNone/>
+          </a:pPr>
+          <a:r>
+            <a:rPr lang="en-US" sz="1500" kern="1200" dirty="0"/>
+            <a:t>Mask Image</a:t>
+          </a:r>
+        </a:p>
+      </dsp:txBody>
+      <dsp:txXfrm>
+        <a:off x="8615547" y="567358"/>
+        <a:ext cx="955480" cy="897283"/>
       </dsp:txXfrm>
     </dsp:sp>
   </dsp:spTree>
@@ -7481,11 +7720,6 @@
           </p:cNvGraphicFramePr>
           <p:nvPr>
             <p:ph idx="1"/>
-            <p:extLst>
-              <p:ext uri="{D42A27DB-BD31-4B8C-83A1-F6EECF244321}">
-                <p14:modId xmlns:p14="http://schemas.microsoft.com/office/powerpoint/2010/main" val="903752606"/>
-              </p:ext>
-            </p:extLst>
           </p:nvPr>
         </p:nvGraphicFramePr>
         <p:xfrm>
@@ -7606,7 +7840,7 @@
     </p:spTree>
     <p:extLst>
       <p:ext uri="{BB962C8B-B14F-4D97-AF65-F5344CB8AC3E}">
-        <p14:creationId xmlns:p14="http://schemas.microsoft.com/office/powerpoint/2010/main" val="3893514272"/>
+        <p14:creationId xmlns:p14="http://schemas.microsoft.com/office/powerpoint/2010/main" val="1875434766"/>
       </p:ext>
     </p:extLst>
   </p:cSld>
